--- a/Presentation/Cluster – IDK++.pptx
+++ b/Presentation/Cluster – IDK++.pptx
@@ -7331,13 +7331,13 @@
   <p:clrMapOvr>
     <a:masterClrMapping/>
   </p:clrMapOvr>
-  <mc:AlternateContent xmlns:mc="http://schemas.openxmlformats.org/markup-compatibility/2006">
-    <mc:Choice xmlns:p159="http://schemas.microsoft.com/office/powerpoint/2015/09/main" Requires="p159">
+  <mc:AlternateContent xmlns:mc="http://schemas.openxmlformats.org/markup-compatibility/2006" xmlns:p159="http://schemas.microsoft.com/office/powerpoint/2015/09/main">
+    <mc:Choice Requires="p159">
       <p:transition xmlns:p14="http://schemas.microsoft.com/office/powerpoint/2010/main" spd="slow" p14:dur="2000">
         <p159:morph option="byObject"/>
       </p:transition>
     </mc:Choice>
-    <mc:Fallback>
+    <mc:Fallback xmlns="">
       <p:transition spd="slow">
         <p:fade/>
       </p:transition>
@@ -7375,8 +7375,8 @@
         </p:nvSpPr>
         <p:spPr>
           <a:xfrm>
-            <a:off x="1040130" y="2360933"/>
-            <a:ext cx="3428999" cy="965200"/>
+            <a:off x="1274251" y="2376356"/>
+            <a:ext cx="3003364" cy="965200"/>
           </a:xfrm>
           <a:prstGeom prst="rect">
             <a:avLst/>
@@ -8698,13 +8698,13 @@
   <p:clrMapOvr>
     <a:masterClrMapping/>
   </p:clrMapOvr>
-  <mc:AlternateContent xmlns:mc="http://schemas.openxmlformats.org/markup-compatibility/2006">
-    <mc:Choice xmlns:p159="http://schemas.microsoft.com/office/powerpoint/2015/09/main" Requires="p159">
+  <mc:AlternateContent xmlns:mc="http://schemas.openxmlformats.org/markup-compatibility/2006" xmlns:p159="http://schemas.microsoft.com/office/powerpoint/2015/09/main">
+    <mc:Choice Requires="p159">
       <p:transition xmlns:p14="http://schemas.microsoft.com/office/powerpoint/2010/main" spd="slow" p14:dur="2000">
         <p159:morph option="byObject"/>
       </p:transition>
     </mc:Choice>
-    <mc:Fallback>
+    <mc:Fallback xmlns="">
       <p:transition spd="slow">
         <p:fade/>
       </p:transition>
@@ -8880,13 +8880,13 @@
   <p:clrMapOvr>
     <a:masterClrMapping/>
   </p:clrMapOvr>
-  <mc:AlternateContent xmlns:mc="http://schemas.openxmlformats.org/markup-compatibility/2006">
-    <mc:Choice xmlns:p159="http://schemas.microsoft.com/office/powerpoint/2015/09/main" Requires="p159">
+  <mc:AlternateContent xmlns:mc="http://schemas.openxmlformats.org/markup-compatibility/2006" xmlns:p159="http://schemas.microsoft.com/office/powerpoint/2015/09/main">
+    <mc:Choice Requires="p159">
       <p:transition xmlns:p14="http://schemas.microsoft.com/office/powerpoint/2010/main" spd="slow" p14:dur="2000">
         <p159:morph option="byObject"/>
       </p:transition>
     </mc:Choice>
-    <mc:Fallback>
+    <mc:Fallback xmlns="">
       <p:transition spd="slow">
         <p:fade/>
       </p:transition>
@@ -9045,13 +9045,13 @@
   <p:clrMapOvr>
     <a:masterClrMapping/>
   </p:clrMapOvr>
-  <mc:AlternateContent xmlns:mc="http://schemas.openxmlformats.org/markup-compatibility/2006">
-    <mc:Choice xmlns:p14="http://schemas.microsoft.com/office/powerpoint/2010/main" Requires="p14">
+  <mc:AlternateContent xmlns:mc="http://schemas.openxmlformats.org/markup-compatibility/2006" xmlns:p14="http://schemas.microsoft.com/office/powerpoint/2010/main">
+    <mc:Choice Requires="p14">
       <p:transition spd="slow" p14:dur="800">
         <p:circle/>
       </p:transition>
     </mc:Choice>
-    <mc:Fallback>
+    <mc:Fallback xmlns="">
       <p:transition spd="slow">
         <p:circle/>
       </p:transition>
@@ -9328,13 +9328,13 @@
   <p:clrMapOvr>
     <a:masterClrMapping/>
   </p:clrMapOvr>
-  <mc:AlternateContent xmlns:mc="http://schemas.openxmlformats.org/markup-compatibility/2006">
-    <mc:Choice xmlns:p159="http://schemas.microsoft.com/office/powerpoint/2015/09/main" Requires="p159">
+  <mc:AlternateContent xmlns:mc="http://schemas.openxmlformats.org/markup-compatibility/2006" xmlns:p159="http://schemas.microsoft.com/office/powerpoint/2015/09/main">
+    <mc:Choice Requires="p159">
       <p:transition xmlns:p14="http://schemas.microsoft.com/office/powerpoint/2010/main" spd="slow" p14:dur="2000">
         <p159:morph option="byObject"/>
       </p:transition>
     </mc:Choice>
-    <mc:Fallback>
+    <mc:Fallback xmlns="">
       <p:transition spd="slow">
         <p:fade/>
       </p:transition>
@@ -9664,13 +9664,13 @@
   <p:clrMapOvr>
     <a:masterClrMapping/>
   </p:clrMapOvr>
-  <mc:AlternateContent xmlns:mc="http://schemas.openxmlformats.org/markup-compatibility/2006">
-    <mc:Choice xmlns:p159="http://schemas.microsoft.com/office/powerpoint/2015/09/main" Requires="p159">
+  <mc:AlternateContent xmlns:mc="http://schemas.openxmlformats.org/markup-compatibility/2006" xmlns:p159="http://schemas.microsoft.com/office/powerpoint/2015/09/main">
+    <mc:Choice Requires="p159">
       <p:transition xmlns:p14="http://schemas.microsoft.com/office/powerpoint/2010/main" spd="slow" p14:dur="2000">
         <p159:morph option="byObject"/>
       </p:transition>
     </mc:Choice>
-    <mc:Fallback>
+    <mc:Fallback xmlns="">
       <p:transition spd="slow">
         <p:fade/>
       </p:transition>
@@ -9741,13 +9741,13 @@
   <p:clrMapOvr>
     <a:masterClrMapping/>
   </p:clrMapOvr>
-  <mc:AlternateContent xmlns:mc="http://schemas.openxmlformats.org/markup-compatibility/2006">
-    <mc:Choice xmlns:p159="http://schemas.microsoft.com/office/powerpoint/2015/09/main" Requires="p159">
+  <mc:AlternateContent xmlns:mc="http://schemas.openxmlformats.org/markup-compatibility/2006" xmlns:p159="http://schemas.microsoft.com/office/powerpoint/2015/09/main">
+    <mc:Choice Requires="p159">
       <p:transition xmlns:p14="http://schemas.microsoft.com/office/powerpoint/2010/main" spd="slow" p14:dur="2000">
         <p159:morph option="byObject"/>
       </p:transition>
     </mc:Choice>
-    <mc:Fallback>
+    <mc:Fallback xmlns="">
       <p:transition spd="slow">
         <p:fade/>
       </p:transition>

--- a/Presentation/Cluster – IDK++.pptx
+++ b/Presentation/Cluster – IDK++.pptx
@@ -5,7 +5,7 @@
     <p:sldMasterId id="2147483688" r:id="rId1"/>
   </p:sldMasterIdLst>
   <p:notesMasterIdLst>
-    <p:notesMasterId r:id="rId9"/>
+    <p:notesMasterId r:id="rId10"/>
   </p:notesMasterIdLst>
   <p:sldIdLst>
     <p:sldId id="267" r:id="rId2"/>
@@ -14,7 +14,8 @@
     <p:sldId id="269" r:id="rId5"/>
     <p:sldId id="287" r:id="rId6"/>
     <p:sldId id="263" r:id="rId7"/>
-    <p:sldId id="265" r:id="rId8"/>
+    <p:sldId id="288" r:id="rId8"/>
+    <p:sldId id="265" r:id="rId9"/>
   </p:sldIdLst>
   <p:sldSz cx="12192000" cy="6858000"/>
   <p:notesSz cx="6858000" cy="9144000"/>
@@ -9684,6 +9685,327 @@
   <p:cSld>
     <p:spTree>
       <p:nvGrpSpPr>
+        <p:cNvPr id="1" name=""/>
+        <p:cNvGrpSpPr/>
+        <p:nvPr/>
+      </p:nvGrpSpPr>
+      <p:grpSpPr>
+        <a:xfrm>
+          <a:off x="0" y="0"/>
+          <a:ext cx="0" cy="0"/>
+          <a:chOff x="0" y="0"/>
+          <a:chExt cx="0" cy="0"/>
+        </a:xfrm>
+      </p:grpSpPr>
+      <p:sp>
+        <p:nvSpPr>
+          <p:cNvPr id="6" name="Cím 5">
+            <a:extLst>
+              <a:ext uri="{FF2B5EF4-FFF2-40B4-BE49-F238E27FC236}">
+                <a16:creationId xmlns:a16="http://schemas.microsoft.com/office/drawing/2014/main" id="{3C35DA67-38B4-43FB-A73B-5705D281646F}"/>
+              </a:ext>
+            </a:extLst>
+          </p:cNvPr>
+          <p:cNvSpPr>
+            <a:spLocks noGrp="1"/>
+          </p:cNvSpPr>
+          <p:nvPr>
+            <p:ph type="title"/>
+          </p:nvPr>
+        </p:nvSpPr>
+        <p:spPr>
+          <a:xfrm>
+            <a:off x="4507974" y="2885712"/>
+            <a:ext cx="3176044" cy="731200"/>
+          </a:xfrm>
+        </p:spPr>
+        <p:txBody>
+          <a:bodyPr/>
+          <a:lstStyle/>
+          <a:p>
+            <a:pPr algn="ctr"/>
+            <a:r>
+              <a:rPr lang="hu-HU" sz="3200" dirty="0"/>
+              <a:t>Klaszter </a:t>
+            </a:r>
+            <a:r>
+              <a:rPr lang="hu-HU" sz="3200" dirty="0" err="1"/>
+              <a:t>manager</a:t>
+            </a:r>
+            <a:endParaRPr lang="hu-HU" sz="3200" dirty="0"/>
+          </a:p>
+        </p:txBody>
+      </p:sp>
+      <p:sp>
+        <p:nvSpPr>
+          <p:cNvPr id="11" name="Alcím 10">
+            <a:extLst>
+              <a:ext uri="{FF2B5EF4-FFF2-40B4-BE49-F238E27FC236}">
+                <a16:creationId xmlns:a16="http://schemas.microsoft.com/office/drawing/2014/main" id="{0B289278-2EE9-4023-9310-DAE5CCC9E6D3}"/>
+              </a:ext>
+            </a:extLst>
+          </p:cNvPr>
+          <p:cNvSpPr>
+            <a:spLocks noGrp="1"/>
+          </p:cNvSpPr>
+          <p:nvPr>
+            <p:ph type="subTitle" idx="1"/>
+          </p:nvPr>
+        </p:nvSpPr>
+        <p:spPr>
+          <a:xfrm>
+            <a:off x="3928060" y="3831093"/>
+            <a:ext cx="4052667" cy="1646800"/>
+          </a:xfrm>
+        </p:spPr>
+        <p:txBody>
+          <a:bodyPr/>
+          <a:lstStyle/>
+          <a:p>
+            <a:pPr algn="l">
+              <a:spcAft>
+                <a:spcPts val="1800"/>
+              </a:spcAft>
+              <a:buFont typeface="Arial" panose="020B0604020202020204" pitchFamily="34" charset="0"/>
+              <a:buChar char="•"/>
+            </a:pPr>
+            <a:r>
+              <a:rPr lang="hu-HU" sz="2200" dirty="0"/>
+              <a:t>További funkciók hozzáadása a klaszterek kezeléshez:</a:t>
+            </a:r>
+          </a:p>
+          <a:p>
+            <a:pPr lvl="1" algn="l">
+              <a:spcAft>
+                <a:spcPts val="600"/>
+              </a:spcAft>
+              <a:buFont typeface="Arial" panose="020B0604020202020204" pitchFamily="34" charset="0"/>
+              <a:buChar char="•"/>
+            </a:pPr>
+            <a:r>
+              <a:rPr lang="hu-HU" sz="2000" dirty="0"/>
+              <a:t>Klaszter eltávolítása, hozzáadása</a:t>
+            </a:r>
+          </a:p>
+          <a:p>
+            <a:pPr lvl="1" algn="l">
+              <a:buFont typeface="Arial" panose="020B0604020202020204" pitchFamily="34" charset="0"/>
+              <a:buChar char="•"/>
+            </a:pPr>
+            <a:r>
+              <a:rPr lang="hu-HU" sz="2000" dirty="0"/>
+              <a:t>Klaszter felosztása</a:t>
+            </a:r>
+          </a:p>
+        </p:txBody>
+      </p:sp>
+      <p:sp>
+        <p:nvSpPr>
+          <p:cNvPr id="12" name="Cím 11">
+            <a:extLst>
+              <a:ext uri="{FF2B5EF4-FFF2-40B4-BE49-F238E27FC236}">
+                <a16:creationId xmlns:a16="http://schemas.microsoft.com/office/drawing/2014/main" id="{1AFBA11A-BB79-46D8-9D09-DD1A81CCF1FE}"/>
+              </a:ext>
+            </a:extLst>
+          </p:cNvPr>
+          <p:cNvSpPr>
+            <a:spLocks noGrp="1"/>
+          </p:cNvSpPr>
+          <p:nvPr>
+            <p:ph type="title" idx="2"/>
+          </p:nvPr>
+        </p:nvSpPr>
+        <p:spPr>
+          <a:xfrm>
+            <a:off x="8038067" y="2929176"/>
+            <a:ext cx="2756000" cy="731200"/>
+          </a:xfrm>
+        </p:spPr>
+        <p:txBody>
+          <a:bodyPr/>
+          <a:lstStyle/>
+          <a:p>
+            <a:r>
+              <a:rPr lang="hu-HU" sz="3200" dirty="0"/>
+              <a:t>Algoritmusok</a:t>
+            </a:r>
+          </a:p>
+        </p:txBody>
+      </p:sp>
+      <p:sp>
+        <p:nvSpPr>
+          <p:cNvPr id="13" name="Alcím 12">
+            <a:extLst>
+              <a:ext uri="{FF2B5EF4-FFF2-40B4-BE49-F238E27FC236}">
+                <a16:creationId xmlns:a16="http://schemas.microsoft.com/office/drawing/2014/main" id="{3B1509CE-1760-4CEB-8A6E-3628A4C2A6A4}"/>
+              </a:ext>
+            </a:extLst>
+          </p:cNvPr>
+          <p:cNvSpPr>
+            <a:spLocks noGrp="1"/>
+          </p:cNvSpPr>
+          <p:nvPr>
+            <p:ph type="subTitle" idx="3"/>
+          </p:nvPr>
+        </p:nvSpPr>
+        <p:spPr>
+          <a:xfrm>
+            <a:off x="8038071" y="3878651"/>
+            <a:ext cx="3480013" cy="1646800"/>
+          </a:xfrm>
+        </p:spPr>
+        <p:txBody>
+          <a:bodyPr/>
+          <a:lstStyle/>
+          <a:p>
+            <a:pPr algn="l">
+              <a:buFont typeface="Arial" panose="020B0604020202020204" pitchFamily="34" charset="0"/>
+              <a:buChar char="•"/>
+            </a:pPr>
+            <a:r>
+              <a:rPr lang="hu-HU" sz="2400" dirty="0"/>
+              <a:t>Többféle </a:t>
+            </a:r>
+            <a:r>
+              <a:rPr lang="hu-HU" sz="2400" dirty="0" err="1"/>
+              <a:t>tehelés</a:t>
+            </a:r>
+            <a:r>
+              <a:rPr lang="hu-HU" sz="2400" dirty="0"/>
+              <a:t> </a:t>
+            </a:r>
+            <a:r>
+              <a:rPr lang="hu-HU" sz="2400" dirty="0" err="1"/>
+              <a:t>elosztásos</a:t>
+            </a:r>
+            <a:r>
+              <a:rPr lang="hu-HU" sz="2400" dirty="0"/>
+              <a:t> algoritmus bevezetése</a:t>
+            </a:r>
+          </a:p>
+        </p:txBody>
+      </p:sp>
+      <p:sp>
+        <p:nvSpPr>
+          <p:cNvPr id="14" name="Cím 13">
+            <a:extLst>
+              <a:ext uri="{FF2B5EF4-FFF2-40B4-BE49-F238E27FC236}">
+                <a16:creationId xmlns:a16="http://schemas.microsoft.com/office/drawing/2014/main" id="{851EF310-BE56-4137-91A7-EEA432C5B016}"/>
+              </a:ext>
+            </a:extLst>
+          </p:cNvPr>
+          <p:cNvSpPr>
+            <a:spLocks noGrp="1"/>
+          </p:cNvSpPr>
+          <p:nvPr>
+            <p:ph type="title" idx="4"/>
+          </p:nvPr>
+        </p:nvSpPr>
+        <p:spPr>
+          <a:xfrm>
+            <a:off x="1397925" y="2885712"/>
+            <a:ext cx="2756000" cy="731200"/>
+          </a:xfrm>
+        </p:spPr>
+        <p:txBody>
+          <a:bodyPr/>
+          <a:lstStyle/>
+          <a:p>
+            <a:r>
+              <a:rPr lang="hu-HU" sz="3200" dirty="0"/>
+              <a:t>Hiba javítás</a:t>
+            </a:r>
+          </a:p>
+        </p:txBody>
+      </p:sp>
+      <p:sp>
+        <p:nvSpPr>
+          <p:cNvPr id="15" name="Alcím 14">
+            <a:extLst>
+              <a:ext uri="{FF2B5EF4-FFF2-40B4-BE49-F238E27FC236}">
+                <a16:creationId xmlns:a16="http://schemas.microsoft.com/office/drawing/2014/main" id="{E395BB62-988B-4C83-96A9-EE654B1BD8C4}"/>
+              </a:ext>
+            </a:extLst>
+          </p:cNvPr>
+          <p:cNvSpPr>
+            <a:spLocks noGrp="1"/>
+          </p:cNvSpPr>
+          <p:nvPr>
+            <p:ph type="subTitle" idx="5"/>
+          </p:nvPr>
+        </p:nvSpPr>
+        <p:spPr>
+          <a:xfrm>
+            <a:off x="1520569" y="3878651"/>
+            <a:ext cx="2756000" cy="1646800"/>
+          </a:xfrm>
+        </p:spPr>
+        <p:txBody>
+          <a:bodyPr/>
+          <a:lstStyle/>
+          <a:p>
+            <a:pPr algn="l">
+              <a:buFont typeface="Arial" panose="020B0604020202020204" pitchFamily="34" charset="0"/>
+              <a:buChar char="•"/>
+            </a:pPr>
+            <a:r>
+              <a:rPr lang="hu-HU" sz="2200" dirty="0"/>
+              <a:t>Jelenlegi verzió stabilitása</a:t>
+            </a:r>
+          </a:p>
+        </p:txBody>
+      </p:sp>
+      <p:sp>
+        <p:nvSpPr>
+          <p:cNvPr id="16" name="Cím 15">
+            <a:extLst>
+              <a:ext uri="{FF2B5EF4-FFF2-40B4-BE49-F238E27FC236}">
+                <a16:creationId xmlns:a16="http://schemas.microsoft.com/office/drawing/2014/main" id="{147833B6-E7AD-4B94-9638-C03FF1B6BE75}"/>
+              </a:ext>
+            </a:extLst>
+          </p:cNvPr>
+          <p:cNvSpPr>
+            <a:spLocks noGrp="1"/>
+          </p:cNvSpPr>
+          <p:nvPr>
+            <p:ph type="title" idx="6"/>
+          </p:nvPr>
+        </p:nvSpPr>
+        <p:spPr>
+          <a:xfrm>
+            <a:off x="3325126" y="1414184"/>
+            <a:ext cx="5541740" cy="965200"/>
+          </a:xfrm>
+        </p:spPr>
+        <p:txBody>
+          <a:bodyPr/>
+          <a:lstStyle/>
+          <a:p>
+            <a:r>
+              <a:rPr lang="hu-HU" dirty="0"/>
+              <a:t>Projektünk jövője</a:t>
+            </a:r>
+          </a:p>
+        </p:txBody>
+      </p:sp>
+    </p:spTree>
+    <p:extLst>
+      <p:ext uri="{BB962C8B-B14F-4D97-AF65-F5344CB8AC3E}">
+        <p14:creationId xmlns:p14="http://schemas.microsoft.com/office/powerpoint/2010/main" val="3088971366"/>
+      </p:ext>
+    </p:extLst>
+  </p:cSld>
+  <p:clrMapOvr>
+    <a:masterClrMapping/>
+  </p:clrMapOvr>
+</p:sld>
+</file>
+
+<file path=ppt/slides/slide8.xml><?xml version="1.0" encoding="utf-8"?>
+<p:sld xmlns:a="http://schemas.openxmlformats.org/drawingml/2006/main" xmlns:r="http://schemas.openxmlformats.org/officeDocument/2006/relationships" xmlns:p="http://schemas.openxmlformats.org/presentationml/2006/main">
+  <p:cSld>
+    <p:spTree>
+      <p:nvGrpSpPr>
         <p:cNvPr id="1" name="Shape 199"/>
         <p:cNvGrpSpPr/>
         <p:nvPr/>

--- a/Presentation/Cluster – IDK++.pptx
+++ b/Presentation/Cluster – IDK++.pptx
@@ -9492,7 +9492,7 @@
             <a:pPr marL="0" indent="0"/>
             <a:r>
               <a:rPr lang="hu-HU" sz="2200" dirty="0"/>
-              <a:t>A csapat legtöbbször nem tudott működni teljes létszámban betegségek és elutazások miatt.</a:t>
+              <a:t>A csapat legtöbbször nem tudott működni teljes létszámban betegségek, egyéb versenyek és elutazások miatt.</a:t>
             </a:r>
             <a:endParaRPr sz="2200" dirty="0"/>
           </a:p>

--- a/Presentation/Cluster – IDK++.pptx
+++ b/Presentation/Cluster – IDK++.pptx
@@ -9998,6 +9998,18 @@
   <p:clrMapOvr>
     <a:masterClrMapping/>
   </p:clrMapOvr>
+  <mc:AlternateContent xmlns:mc="http://schemas.openxmlformats.org/markup-compatibility/2006">
+    <mc:Choice xmlns:p159="http://schemas.microsoft.com/office/powerpoint/2015/09/main" Requires="p159">
+      <p:transition xmlns:p14="http://schemas.microsoft.com/office/powerpoint/2010/main" spd="slow" p14:dur="2000">
+        <p159:morph option="byObject"/>
+      </p:transition>
+    </mc:Choice>
+    <mc:Fallback>
+      <p:transition spd="slow">
+        <p:fade/>
+      </p:transition>
+    </mc:Fallback>
+  </mc:AlternateContent>
 </p:sld>
 </file>
 

--- a/Presentation/Cluster – IDK++.pptx
+++ b/Presentation/Cluster – IDK++.pptx
@@ -7195,7 +7195,7 @@
         </p:nvSpPr>
         <p:spPr>
           <a:xfrm>
-            <a:off x="2901200" y="2600133"/>
+            <a:off x="2901200" y="1803179"/>
             <a:ext cx="6389600" cy="859600"/>
           </a:xfrm>
           <a:prstGeom prst="rect">
@@ -7239,7 +7239,7 @@
         </p:nvSpPr>
         <p:spPr>
           <a:xfrm>
-            <a:off x="2725600" y="3807011"/>
+            <a:off x="2725600" y="3010057"/>
             <a:ext cx="6740800" cy="619600"/>
           </a:xfrm>
           <a:prstGeom prst="rect">
@@ -7253,37 +7253,37 @@
           <a:lstStyle/>
           <a:p>
             <a:r>
-              <a:rPr lang="hu-HU" sz="2000" dirty="0" err="1"/>
+              <a:rPr lang="hu-HU" sz="2400" dirty="0" err="1"/>
               <a:t>Dusza</a:t>
             </a:r>
             <a:r>
-              <a:rPr lang="hu-HU" sz="2000" dirty="0"/>
+              <a:rPr lang="hu-HU" sz="2400" dirty="0"/>
               <a:t> Árpád Programozói Emlékverseny</a:t>
             </a:r>
           </a:p>
           <a:p>
-            <a:endParaRPr lang="hu-HU" sz="2000" dirty="0"/>
+            <a:endParaRPr lang="hu-HU" sz="2400" dirty="0"/>
           </a:p>
           <a:p>
             <a:r>
-              <a:rPr lang="hu-HU" sz="2000" dirty="0"/>
+              <a:rPr lang="hu-HU" sz="2400" dirty="0"/>
               <a:t>Felkészítő tanárunk: </a:t>
             </a:r>
             <a:r>
-              <a:rPr lang="hu-HU" sz="2000" dirty="0" err="1"/>
+              <a:rPr lang="hu-HU" sz="2400" dirty="0" err="1"/>
               <a:t>Hagymási</a:t>
             </a:r>
             <a:r>
-              <a:rPr lang="hu-HU" sz="2000" dirty="0"/>
+              <a:rPr lang="hu-HU" sz="2400" dirty="0"/>
               <a:t> Gyula Levente</a:t>
             </a:r>
           </a:p>
           <a:p>
-            <a:endParaRPr lang="hu-HU" sz="2000" dirty="0"/>
+            <a:endParaRPr lang="hu-HU" sz="2400" dirty="0"/>
           </a:p>
           <a:p>
             <a:r>
-              <a:rPr lang="hu-HU" sz="2000" dirty="0"/>
+              <a:rPr lang="hu-HU" sz="2400" dirty="0"/>
               <a:t>Debreceni SZC Mechwart András Gépipari és Informatikai Technikum</a:t>
             </a:r>
           </a:p>
@@ -7297,7 +7297,7 @@
         </p:nvCxnSpPr>
         <p:spPr>
           <a:xfrm>
-            <a:off x="4254000" y="3420229"/>
+            <a:off x="4254000" y="2623275"/>
             <a:ext cx="3684000" cy="0"/>
           </a:xfrm>
           <a:prstGeom prst="straightConnector1">
@@ -8984,7 +8984,7 @@
             <a:pPr lvl="1"/>
             <a:r>
               <a:rPr lang="hu-HU" sz="2400" dirty="0"/>
-              <a:t>Klaszterek összefonása</a:t>
+              <a:t>Klaszterek összevonása</a:t>
             </a:r>
           </a:p>
           <a:p>
@@ -9725,12 +9725,8 @@
           <a:p>
             <a:pPr algn="ctr"/>
             <a:r>
-              <a:rPr lang="hu-HU" sz="3200" dirty="0"/>
-              <a:t>Klaszter </a:t>
-            </a:r>
-            <a:r>
-              <a:rPr lang="hu-HU" sz="3200" dirty="0" err="1"/>
-              <a:t>manager</a:t>
+              <a:rPr lang="hu-HU" sz="3200"/>
+              <a:t>Klaszter kezelő</a:t>
             </a:r>
             <a:endParaRPr lang="hu-HU" sz="3200" dirty="0"/>
           </a:p>
@@ -9755,7 +9751,7 @@
         <p:spPr>
           <a:xfrm>
             <a:off x="3928060" y="3831093"/>
-            <a:ext cx="4052667" cy="1646800"/>
+            <a:ext cx="4267984" cy="1646800"/>
           </a:xfrm>
         </p:spPr>
         <p:txBody>
@@ -9770,7 +9766,7 @@
               <a:buChar char="•"/>
             </a:pPr>
             <a:r>
-              <a:rPr lang="hu-HU" sz="2200" dirty="0"/>
+              <a:rPr lang="hu-HU" sz="2400" dirty="0"/>
               <a:t>További funkciók hozzáadása a klaszterek kezeléshez:</a:t>
             </a:r>
           </a:p>
@@ -9783,7 +9779,7 @@
               <a:buChar char="•"/>
             </a:pPr>
             <a:r>
-              <a:rPr lang="hu-HU" sz="2000" dirty="0"/>
+              <a:rPr lang="hu-HU" sz="2400" dirty="0"/>
               <a:t>Klaszter eltávolítása, hozzáadása</a:t>
             </a:r>
           </a:p>
@@ -9793,7 +9789,7 @@
               <a:buChar char="•"/>
             </a:pPr>
             <a:r>
-              <a:rPr lang="hu-HU" sz="2000" dirty="0"/>
+              <a:rPr lang="hu-HU" sz="2400" dirty="0"/>
               <a:t>Klaszter felosztása</a:t>
             </a:r>
           </a:p>
@@ -9864,15 +9860,7 @@
             </a:pPr>
             <a:r>
               <a:rPr lang="hu-HU" sz="2400" dirty="0"/>
-              <a:t>Többféle </a:t>
-            </a:r>
-            <a:r>
-              <a:rPr lang="hu-HU" sz="2400" dirty="0" err="1"/>
-              <a:t>tehelés</a:t>
-            </a:r>
-            <a:r>
-              <a:rPr lang="hu-HU" sz="2400" dirty="0"/>
-              <a:t> </a:t>
+              <a:t>Többféle terhelés </a:t>
             </a:r>
             <a:r>
               <a:rPr lang="hu-HU" sz="2400" dirty="0" err="1"/>
@@ -9936,7 +9924,7 @@
         </p:nvSpPr>
         <p:spPr>
           <a:xfrm>
-            <a:off x="1520569" y="3878651"/>
+            <a:off x="1397925" y="3854872"/>
             <a:ext cx="2756000" cy="1646800"/>
           </a:xfrm>
         </p:spPr>
@@ -9949,7 +9937,7 @@
               <a:buChar char="•"/>
             </a:pPr>
             <a:r>
-              <a:rPr lang="hu-HU" sz="2200" dirty="0"/>
+              <a:rPr lang="hu-HU" sz="2400" dirty="0"/>
               <a:t>Jelenlegi verzió stabilitása</a:t>
             </a:r>
           </a:p>
@@ -9998,13 +9986,13 @@
   <p:clrMapOvr>
     <a:masterClrMapping/>
   </p:clrMapOvr>
-  <mc:AlternateContent xmlns:mc="http://schemas.openxmlformats.org/markup-compatibility/2006">
-    <mc:Choice xmlns:p159="http://schemas.microsoft.com/office/powerpoint/2015/09/main" Requires="p159">
+  <mc:AlternateContent xmlns:mc="http://schemas.openxmlformats.org/markup-compatibility/2006" xmlns:p159="http://schemas.microsoft.com/office/powerpoint/2015/09/main">
+    <mc:Choice Requires="p159">
       <p:transition xmlns:p14="http://schemas.microsoft.com/office/powerpoint/2010/main" spd="slow" p14:dur="2000">
         <p159:morph option="byObject"/>
       </p:transition>
     </mc:Choice>
-    <mc:Fallback>
+    <mc:Fallback xmlns="">
       <p:transition spd="slow">
         <p:fade/>
       </p:transition>
